--- a/Presentation.pptx
+++ b/Presentation.pptx
@@ -12,6 +12,7 @@
     <p:sldId id="260" r:id="rId6"/>
     <p:sldId id="261" r:id="rId7"/>
     <p:sldId id="262" r:id="rId8"/>
+    <p:sldId id="263" r:id="rId9"/>
   </p:sldIdLst>
   <p:sldSz cx="9144000" cy="6858000" type="screen4x3"/>
   <p:notesSz cx="6858000" cy="9144000"/>
@@ -497,7 +498,7 @@
           <a:p>
             <a:fld id="{AD54FA54-08A5-4644-BA35-F28E86020C26}" type="datetimeFigureOut">
               <a:rPr lang="en-US" smtClean="0"/>
-              <a:t>4/21/2023</a:t>
+              <a:t>4/22/2023</a:t>
             </a:fld>
             <a:endParaRPr lang="en-US"/>
           </a:p>
@@ -662,7 +663,7 @@
           <a:p>
             <a:fld id="{AD54FA54-08A5-4644-BA35-F28E86020C26}" type="datetimeFigureOut">
               <a:rPr lang="en-US" smtClean="0"/>
-              <a:t>4/21/2023</a:t>
+              <a:t>4/22/2023</a:t>
             </a:fld>
             <a:endParaRPr lang="en-US"/>
           </a:p>
@@ -837,7 +838,7 @@
           <a:p>
             <a:fld id="{AD54FA54-08A5-4644-BA35-F28E86020C26}" type="datetimeFigureOut">
               <a:rPr lang="en-US" smtClean="0"/>
-              <a:t>4/21/2023</a:t>
+              <a:t>4/22/2023</a:t>
             </a:fld>
             <a:endParaRPr lang="en-US"/>
           </a:p>
@@ -1006,7 +1007,7 @@
           <a:p>
             <a:fld id="{AD54FA54-08A5-4644-BA35-F28E86020C26}" type="datetimeFigureOut">
               <a:rPr lang="en-US" smtClean="0"/>
-              <a:t>4/21/2023</a:t>
+              <a:t>4/22/2023</a:t>
             </a:fld>
             <a:endParaRPr lang="en-US"/>
           </a:p>
@@ -1461,7 +1462,7 @@
           <a:p>
             <a:fld id="{AD54FA54-08A5-4644-BA35-F28E86020C26}" type="datetimeFigureOut">
               <a:rPr lang="en-US" smtClean="0"/>
-              <a:t>4/21/2023</a:t>
+              <a:t>4/22/2023</a:t>
             </a:fld>
             <a:endParaRPr lang="en-US"/>
           </a:p>
@@ -1725,7 +1726,7 @@
           <a:p>
             <a:fld id="{AD54FA54-08A5-4644-BA35-F28E86020C26}" type="datetimeFigureOut">
               <a:rPr lang="en-US" smtClean="0"/>
-              <a:t>4/21/2023</a:t>
+              <a:t>4/22/2023</a:t>
             </a:fld>
             <a:endParaRPr lang="en-US"/>
           </a:p>
@@ -2099,7 +2100,7 @@
           <a:p>
             <a:fld id="{AD54FA54-08A5-4644-BA35-F28E86020C26}" type="datetimeFigureOut">
               <a:rPr lang="en-US" smtClean="0"/>
-              <a:t>4/21/2023</a:t>
+              <a:t>4/22/2023</a:t>
             </a:fld>
             <a:endParaRPr lang="en-US"/>
           </a:p>
@@ -2221,7 +2222,7 @@
           <a:p>
             <a:fld id="{AD54FA54-08A5-4644-BA35-F28E86020C26}" type="datetimeFigureOut">
               <a:rPr lang="en-US" smtClean="0"/>
-              <a:t>4/21/2023</a:t>
+              <a:t>4/22/2023</a:t>
             </a:fld>
             <a:endParaRPr lang="en-US"/>
           </a:p>
@@ -2311,7 +2312,7 @@
           <a:p>
             <a:fld id="{AD54FA54-08A5-4644-BA35-F28E86020C26}" type="datetimeFigureOut">
               <a:rPr lang="en-US" smtClean="0"/>
-              <a:t>4/21/2023</a:t>
+              <a:t>4/22/2023</a:t>
             </a:fld>
             <a:endParaRPr lang="en-US"/>
           </a:p>
@@ -2560,7 +2561,7 @@
           <a:p>
             <a:fld id="{AD54FA54-08A5-4644-BA35-F28E86020C26}" type="datetimeFigureOut">
               <a:rPr lang="en-US" smtClean="0"/>
-              <a:t>4/21/2023</a:t>
+              <a:t>4/22/2023</a:t>
             </a:fld>
             <a:endParaRPr lang="en-US"/>
           </a:p>
@@ -2819,7 +2820,7 @@
           <a:p>
             <a:fld id="{AD54FA54-08A5-4644-BA35-F28E86020C26}" type="datetimeFigureOut">
               <a:rPr lang="en-US" smtClean="0"/>
-              <a:t>4/21/2023</a:t>
+              <a:t>4/22/2023</a:t>
             </a:fld>
             <a:endParaRPr lang="en-US"/>
           </a:p>
@@ -3223,7 +3224,7 @@
           <a:p>
             <a:fld id="{AD54FA54-08A5-4644-BA35-F28E86020C26}" type="datetimeFigureOut">
               <a:rPr lang="en-US" smtClean="0"/>
-              <a:t>4/21/2023</a:t>
+              <a:t>4/22/2023</a:t>
             </a:fld>
             <a:endParaRPr lang="en-US"/>
           </a:p>
@@ -4243,6 +4244,65 @@
       </p:par>
     </p:tnLst>
   </p:timing>
+</p:sld>
+</file>
+
+<file path=ppt/slides/slide8.xml><?xml version="1.0" encoding="utf-8"?>
+<p:sld xmlns:a="http://schemas.openxmlformats.org/drawingml/2006/main" xmlns:r="http://schemas.openxmlformats.org/officeDocument/2006/relationships" xmlns:p="http://schemas.openxmlformats.org/presentationml/2006/main">
+  <p:cSld>
+    <p:spTree>
+      <p:nvGrpSpPr>
+        <p:cNvPr id="1" name=""/>
+        <p:cNvGrpSpPr/>
+        <p:nvPr/>
+      </p:nvGrpSpPr>
+      <p:grpSpPr>
+        <a:xfrm>
+          <a:off x="0" y="0"/>
+          <a:ext cx="0" cy="0"/>
+          <a:chOff x="0" y="0"/>
+          <a:chExt cx="0" cy="0"/>
+        </a:xfrm>
+      </p:grpSpPr>
+      <p:pic>
+        <p:nvPicPr>
+          <p:cNvPr id="4" name="Content Placeholder 3"/>
+          <p:cNvPicPr>
+            <a:picLocks noGrp="1" noChangeAspect="1"/>
+          </p:cNvPicPr>
+          <p:nvPr>
+            <p:ph idx="1"/>
+          </p:nvPr>
+        </p:nvPicPr>
+        <p:blipFill>
+          <a:blip r:embed="rId2" cstate="print">
+            <a:extLst>
+              <a:ext uri="{28A0092B-C50C-407E-A947-70E740481C1C}">
+                <a14:useLocalDpi xmlns:a14="http://schemas.microsoft.com/office/drawing/2010/main" val="0"/>
+              </a:ext>
+            </a:extLst>
+          </a:blip>
+          <a:stretch>
+            <a:fillRect/>
+          </a:stretch>
+        </p:blipFill>
+        <p:spPr>
+          <a:xfrm>
+            <a:off x="323528" y="1556792"/>
+            <a:ext cx="7273224" cy="3168352"/>
+          </a:xfrm>
+        </p:spPr>
+      </p:pic>
+    </p:spTree>
+    <p:extLst>
+      <p:ext uri="{BB962C8B-B14F-4D97-AF65-F5344CB8AC3E}">
+        <p14:creationId xmlns:p14="http://schemas.microsoft.com/office/powerpoint/2010/main" val="2099405959"/>
+      </p:ext>
+    </p:extLst>
+  </p:cSld>
+  <p:clrMapOvr>
+    <a:masterClrMapping/>
+  </p:clrMapOvr>
 </p:sld>
 </file>
 
